--- a/企画書.pptx
+++ b/企画書.pptx
@@ -9,7 +9,9 @@
     <p:sldId id="257" r:id="rId3"/>
     <p:sldId id="258" r:id="rId4"/>
     <p:sldId id="259" r:id="rId5"/>
-    <p:sldId id="260" r:id="rId6"/>
+    <p:sldId id="263" r:id="rId6"/>
+    <p:sldId id="262" r:id="rId7"/>
+    <p:sldId id="264" r:id="rId8"/>
   </p:sldIdLst>
   <p:sldSz cx="12192000" cy="6858000"/>
   <p:notesSz cx="6858000" cy="9144000"/>
@@ -108,6 +110,11 @@
       </a:defRPr>
     </a:lvl9pPr>
   </p:defaultTextStyle>
+  <p:extLst>
+    <p:ext uri="{EFAFB233-063F-42B5-8137-9DF3F51BA10A}">
+      <p15:sldGuideLst xmlns:p15="http://schemas.microsoft.com/office/powerpoint/2012/main"/>
+    </p:ext>
+  </p:extLst>
 </p:presentation>
 </file>
 
@@ -3716,6 +3723,18 @@
   <p:clrMapOvr>
     <a:masterClrMapping/>
   </p:clrMapOvr>
+  <mc:AlternateContent xmlns:mc="http://schemas.openxmlformats.org/markup-compatibility/2006" xmlns:p159="http://schemas.microsoft.com/office/powerpoint/2015/09/main">
+    <mc:Choice Requires="p159">
+      <p:transition xmlns:p14="http://schemas.microsoft.com/office/powerpoint/2010/main" spd="slow" p14:dur="2000">
+        <p159:morph option="byObject"/>
+      </p:transition>
+    </mc:Choice>
+    <mc:Fallback xmlns="">
+      <p:transition spd="slow">
+        <p:fade/>
+      </p:transition>
+    </mc:Fallback>
+  </mc:AlternateContent>
 </p:sld>
 </file>
 
@@ -3855,6 +3874,18 @@
   <p:clrMapOvr>
     <a:masterClrMapping/>
   </p:clrMapOvr>
+  <mc:AlternateContent xmlns:mc="http://schemas.openxmlformats.org/markup-compatibility/2006" xmlns:p159="http://schemas.microsoft.com/office/powerpoint/2015/09/main">
+    <mc:Choice Requires="p159">
+      <p:transition xmlns:p14="http://schemas.microsoft.com/office/powerpoint/2010/main" spd="slow" p14:dur="2000">
+        <p159:morph option="byObject"/>
+      </p:transition>
+    </mc:Choice>
+    <mc:Fallback xmlns="">
+      <p:transition spd="slow">
+        <p:fade/>
+      </p:transition>
+    </mc:Fallback>
+  </mc:AlternateContent>
   <p:timing>
     <p:tnLst>
       <p:par>
@@ -4603,6 +4634,18 @@
   <p:clrMapOvr>
     <a:masterClrMapping/>
   </p:clrMapOvr>
+  <mc:AlternateContent xmlns:mc="http://schemas.openxmlformats.org/markup-compatibility/2006" xmlns:p159="http://schemas.microsoft.com/office/powerpoint/2015/09/main">
+    <mc:Choice Requires="p159">
+      <p:transition xmlns:p14="http://schemas.microsoft.com/office/powerpoint/2010/main" spd="slow" p14:dur="2000">
+        <p159:morph option="byObject"/>
+      </p:transition>
+    </mc:Choice>
+    <mc:Fallback xmlns="">
+      <p:transition spd="slow">
+        <p:fade/>
+      </p:transition>
+    </mc:Fallback>
+  </mc:AlternateContent>
   <p:timing>
     <p:tnLst>
       <p:par>
@@ -5761,6 +5804,18 @@
   <p:clrMapOvr>
     <a:masterClrMapping/>
   </p:clrMapOvr>
+  <mc:AlternateContent xmlns:mc="http://schemas.openxmlformats.org/markup-compatibility/2006" xmlns:p159="http://schemas.microsoft.com/office/powerpoint/2015/09/main">
+    <mc:Choice Requires="p159">
+      <p:transition xmlns:p14="http://schemas.microsoft.com/office/powerpoint/2010/main" spd="slow" p14:dur="2000">
+        <p159:morph option="byObject"/>
+      </p:transition>
+    </mc:Choice>
+    <mc:Fallback xmlns="">
+      <p:transition spd="slow">
+        <p:fade/>
+      </p:transition>
+    </mc:Fallback>
+  </mc:AlternateContent>
 </p:sld>
 </file>
 
@@ -5781,10 +5836,877 @@
           <a:chExt cx="0" cy="0"/>
         </a:xfrm>
       </p:grpSpPr>
+      <p:sp>
+        <p:nvSpPr>
+          <p:cNvPr id="2" name="テキスト ボックス 1">
+            <a:extLst>
+              <a:ext uri="{FF2B5EF4-FFF2-40B4-BE49-F238E27FC236}">
+                <a16:creationId xmlns:a16="http://schemas.microsoft.com/office/drawing/2014/main" id="{86C50363-9905-4601-B965-DCDEB9142238}"/>
+              </a:ext>
+            </a:extLst>
+          </p:cNvPr>
+          <p:cNvSpPr txBox="1"/>
+          <p:nvPr/>
+        </p:nvSpPr>
+        <p:spPr>
+          <a:xfrm>
+            <a:off x="404446" y="395654"/>
+            <a:ext cx="8789586" cy="707886"/>
+          </a:xfrm>
+          <a:prstGeom prst="rect">
+            <a:avLst/>
+          </a:prstGeom>
+          <a:noFill/>
+        </p:spPr>
+        <p:txBody>
+          <a:bodyPr wrap="none" rtlCol="0">
+            <a:spAutoFit/>
+          </a:bodyPr>
+          <a:lstStyle/>
+          <a:p>
+            <a:r>
+              <a:rPr kumimoji="1" lang="ja-JP" altLang="en-US" sz="4000" dirty="0"/>
+              <a:t>リメイク</a:t>
+            </a:r>
+            <a:r>
+              <a:rPr kumimoji="1" lang="en-US" altLang="ja-JP" sz="4000" dirty="0"/>
+              <a:t>(</a:t>
+            </a:r>
+            <a:r>
+              <a:rPr kumimoji="1" lang="ja-JP" altLang="en-US" sz="4000" dirty="0"/>
+              <a:t>ブラッシュアップ</a:t>
+            </a:r>
+            <a:r>
+              <a:rPr kumimoji="1" lang="en-US" altLang="ja-JP" sz="4000" dirty="0"/>
+              <a:t>)</a:t>
+            </a:r>
+            <a:r>
+              <a:rPr lang="ja-JP" altLang="en-US" sz="4000" dirty="0"/>
+              <a:t>前</a:t>
+            </a:r>
+            <a:r>
+              <a:rPr kumimoji="1" lang="ja-JP" altLang="en-US" sz="4000" dirty="0"/>
+              <a:t>の反省</a:t>
+            </a:r>
+          </a:p>
+        </p:txBody>
+      </p:sp>
+      <p:sp>
+        <p:nvSpPr>
+          <p:cNvPr id="3" name="テキスト ボックス 2">
+            <a:extLst>
+              <a:ext uri="{FF2B5EF4-FFF2-40B4-BE49-F238E27FC236}">
+                <a16:creationId xmlns:a16="http://schemas.microsoft.com/office/drawing/2014/main" id="{39444221-3BDE-4D99-938D-7BFC091D12A9}"/>
+              </a:ext>
+            </a:extLst>
+          </p:cNvPr>
+          <p:cNvSpPr txBox="1"/>
+          <p:nvPr/>
+        </p:nvSpPr>
+        <p:spPr>
+          <a:xfrm>
+            <a:off x="904583" y="1503248"/>
+            <a:ext cx="4544834" cy="400110"/>
+          </a:xfrm>
+          <a:prstGeom prst="rect">
+            <a:avLst/>
+          </a:prstGeom>
+          <a:noFill/>
+        </p:spPr>
+        <p:txBody>
+          <a:bodyPr wrap="none" rtlCol="0">
+            <a:spAutoFit/>
+          </a:bodyPr>
+          <a:lstStyle/>
+          <a:p>
+            <a:r>
+              <a:rPr lang="ja-JP" altLang="en-US" sz="2000" b="1" u="sng" dirty="0"/>
+              <a:t>集中状態中の視線誘導ができていない</a:t>
+            </a:r>
+            <a:endParaRPr kumimoji="1" lang="ja-JP" altLang="en-US" sz="2000" b="1" u="sng" dirty="0"/>
+          </a:p>
+        </p:txBody>
+      </p:sp>
+      <p:sp>
+        <p:nvSpPr>
+          <p:cNvPr id="4" name="テキスト ボックス 3">
+            <a:extLst>
+              <a:ext uri="{FF2B5EF4-FFF2-40B4-BE49-F238E27FC236}">
+                <a16:creationId xmlns:a16="http://schemas.microsoft.com/office/drawing/2014/main" id="{ABE041A4-326B-4D6F-9EC3-62E282E35726}"/>
+              </a:ext>
+            </a:extLst>
+          </p:cNvPr>
+          <p:cNvSpPr txBox="1"/>
+          <p:nvPr/>
+        </p:nvSpPr>
+        <p:spPr>
+          <a:xfrm>
+            <a:off x="904583" y="2444402"/>
+            <a:ext cx="2236510" cy="400110"/>
+          </a:xfrm>
+          <a:prstGeom prst="rect">
+            <a:avLst/>
+          </a:prstGeom>
+          <a:noFill/>
+        </p:spPr>
+        <p:txBody>
+          <a:bodyPr wrap="none" rtlCol="0">
+            <a:spAutoFit/>
+          </a:bodyPr>
+          <a:lstStyle/>
+          <a:p>
+            <a:r>
+              <a:rPr kumimoji="1" lang="ja-JP" altLang="en-US" sz="2000" b="1" u="sng" dirty="0"/>
+              <a:t>リプレイ性が低い</a:t>
+            </a:r>
+          </a:p>
+        </p:txBody>
+      </p:sp>
+      <p:sp>
+        <p:nvSpPr>
+          <p:cNvPr id="5" name="テキスト ボックス 4">
+            <a:extLst>
+              <a:ext uri="{FF2B5EF4-FFF2-40B4-BE49-F238E27FC236}">
+                <a16:creationId xmlns:a16="http://schemas.microsoft.com/office/drawing/2014/main" id="{D7CDD1D1-853C-4222-B827-39A8953F18E2}"/>
+              </a:ext>
+            </a:extLst>
+          </p:cNvPr>
+          <p:cNvSpPr txBox="1"/>
+          <p:nvPr/>
+        </p:nvSpPr>
+        <p:spPr>
+          <a:xfrm>
+            <a:off x="904583" y="3385556"/>
+            <a:ext cx="4801314" cy="400110"/>
+          </a:xfrm>
+          <a:prstGeom prst="rect">
+            <a:avLst/>
+          </a:prstGeom>
+          <a:noFill/>
+        </p:spPr>
+        <p:txBody>
+          <a:bodyPr wrap="none" rtlCol="0">
+            <a:spAutoFit/>
+          </a:bodyPr>
+          <a:lstStyle/>
+          <a:p>
+            <a:r>
+              <a:rPr kumimoji="1" lang="ja-JP" altLang="en-US" sz="2000" b="1" u="sng" dirty="0"/>
+              <a:t>敵がワンパターン、ボスが分かりにくい</a:t>
+            </a:r>
+          </a:p>
+        </p:txBody>
+      </p:sp>
+      <p:sp>
+        <p:nvSpPr>
+          <p:cNvPr id="6" name="テキスト ボックス 5">
+            <a:extLst>
+              <a:ext uri="{FF2B5EF4-FFF2-40B4-BE49-F238E27FC236}">
+                <a16:creationId xmlns:a16="http://schemas.microsoft.com/office/drawing/2014/main" id="{E353EC30-C3CF-46CB-A310-3FDFC46FCDB1}"/>
+              </a:ext>
+            </a:extLst>
+          </p:cNvPr>
+          <p:cNvSpPr txBox="1"/>
+          <p:nvPr/>
+        </p:nvSpPr>
+        <p:spPr>
+          <a:xfrm>
+            <a:off x="904583" y="5267864"/>
+            <a:ext cx="1723549" cy="400110"/>
+          </a:xfrm>
+          <a:prstGeom prst="rect">
+            <a:avLst/>
+          </a:prstGeom>
+          <a:noFill/>
+        </p:spPr>
+        <p:txBody>
+          <a:bodyPr wrap="none" rtlCol="0">
+            <a:spAutoFit/>
+          </a:bodyPr>
+          <a:lstStyle/>
+          <a:p>
+            <a:r>
+              <a:rPr lang="ja-JP" altLang="en-US" sz="2000" b="1" u="sng" dirty="0"/>
+              <a:t>操作が難しい</a:t>
+            </a:r>
+            <a:endParaRPr kumimoji="1" lang="ja-JP" altLang="en-US" sz="2000" b="1" u="sng" dirty="0"/>
+          </a:p>
+        </p:txBody>
+      </p:sp>
+      <p:sp>
+        <p:nvSpPr>
+          <p:cNvPr id="7" name="テキスト ボックス 6">
+            <a:extLst>
+              <a:ext uri="{FF2B5EF4-FFF2-40B4-BE49-F238E27FC236}">
+                <a16:creationId xmlns:a16="http://schemas.microsoft.com/office/drawing/2014/main" id="{A94E3910-F09E-49F8-8F54-B767E19018D3}"/>
+              </a:ext>
+            </a:extLst>
+          </p:cNvPr>
+          <p:cNvSpPr txBox="1"/>
+          <p:nvPr/>
+        </p:nvSpPr>
+        <p:spPr>
+          <a:xfrm>
+            <a:off x="904583" y="4326710"/>
+            <a:ext cx="6340197" cy="400110"/>
+          </a:xfrm>
+          <a:prstGeom prst="rect">
+            <a:avLst/>
+          </a:prstGeom>
+          <a:noFill/>
+        </p:spPr>
+        <p:txBody>
+          <a:bodyPr wrap="none" rtlCol="0">
+            <a:spAutoFit/>
+          </a:bodyPr>
+          <a:lstStyle/>
+          <a:p>
+            <a:r>
+              <a:rPr kumimoji="1" lang="ja-JP" altLang="en-US" sz="2000" b="1" u="sng" dirty="0"/>
+              <a:t>チュートリアルがチュートリアルの仕事をしていない</a:t>
+            </a:r>
+          </a:p>
+        </p:txBody>
+      </p:sp>
     </p:spTree>
     <p:extLst>
       <p:ext uri="{BB962C8B-B14F-4D97-AF65-F5344CB8AC3E}">
-        <p14:creationId xmlns:p14="http://schemas.microsoft.com/office/powerpoint/2010/main" val="1980618054"/>
+        <p14:creationId xmlns:p14="http://schemas.microsoft.com/office/powerpoint/2010/main" val="1946685150"/>
+      </p:ext>
+    </p:extLst>
+  </p:cSld>
+  <p:clrMapOvr>
+    <a:masterClrMapping/>
+  </p:clrMapOvr>
+  <mc:AlternateContent xmlns:mc="http://schemas.openxmlformats.org/markup-compatibility/2006" xmlns:p159="http://schemas.microsoft.com/office/powerpoint/2015/09/main">
+    <mc:Choice Requires="p159">
+      <p:transition xmlns:p14="http://schemas.microsoft.com/office/powerpoint/2010/main" spd="slow" p14:dur="2000">
+        <p159:morph option="byObject"/>
+      </p:transition>
+    </mc:Choice>
+    <mc:Fallback xmlns="">
+      <p:transition spd="slow">
+        <p:fade/>
+      </p:transition>
+    </mc:Fallback>
+  </mc:AlternateContent>
+</p:sld>
+</file>
+
+<file path=ppt/slides/slide6.xml><?xml version="1.0" encoding="utf-8"?>
+<p:sld xmlns:a="http://schemas.openxmlformats.org/drawingml/2006/main" xmlns:r="http://schemas.openxmlformats.org/officeDocument/2006/relationships" xmlns:p="http://schemas.openxmlformats.org/presentationml/2006/main">
+  <p:cSld>
+    <p:spTree>
+      <p:nvGrpSpPr>
+        <p:cNvPr id="1" name=""/>
+        <p:cNvGrpSpPr/>
+        <p:nvPr/>
+      </p:nvGrpSpPr>
+      <p:grpSpPr>
+        <a:xfrm>
+          <a:off x="0" y="0"/>
+          <a:ext cx="0" cy="0"/>
+          <a:chOff x="0" y="0"/>
+          <a:chExt cx="0" cy="0"/>
+        </a:xfrm>
+      </p:grpSpPr>
+      <p:sp>
+        <p:nvSpPr>
+          <p:cNvPr id="2" name="テキスト ボックス 1">
+            <a:extLst>
+              <a:ext uri="{FF2B5EF4-FFF2-40B4-BE49-F238E27FC236}">
+                <a16:creationId xmlns:a16="http://schemas.microsoft.com/office/drawing/2014/main" id="{86C50363-9905-4601-B965-DCDEB9142238}"/>
+              </a:ext>
+            </a:extLst>
+          </p:cNvPr>
+          <p:cNvSpPr txBox="1"/>
+          <p:nvPr/>
+        </p:nvSpPr>
+        <p:spPr>
+          <a:xfrm>
+            <a:off x="404446" y="395654"/>
+            <a:ext cx="8789586" cy="707886"/>
+          </a:xfrm>
+          <a:prstGeom prst="rect">
+            <a:avLst/>
+          </a:prstGeom>
+          <a:noFill/>
+        </p:spPr>
+        <p:txBody>
+          <a:bodyPr wrap="none" rtlCol="0">
+            <a:spAutoFit/>
+          </a:bodyPr>
+          <a:lstStyle/>
+          <a:p>
+            <a:r>
+              <a:rPr kumimoji="1" lang="ja-JP" altLang="en-US" sz="4000" dirty="0"/>
+              <a:t>リメイク</a:t>
+            </a:r>
+            <a:r>
+              <a:rPr kumimoji="1" lang="en-US" altLang="ja-JP" sz="4000" dirty="0"/>
+              <a:t>(</a:t>
+            </a:r>
+            <a:r>
+              <a:rPr kumimoji="1" lang="ja-JP" altLang="en-US" sz="4000" dirty="0"/>
+              <a:t>ブラッシュアップ</a:t>
+            </a:r>
+            <a:r>
+              <a:rPr kumimoji="1" lang="en-US" altLang="ja-JP" sz="4000" dirty="0"/>
+              <a:t>)</a:t>
+            </a:r>
+            <a:r>
+              <a:rPr kumimoji="1" lang="ja-JP" altLang="en-US" sz="4000" dirty="0"/>
+              <a:t>後の目標</a:t>
+            </a:r>
+          </a:p>
+        </p:txBody>
+      </p:sp>
+      <p:sp>
+        <p:nvSpPr>
+          <p:cNvPr id="3" name="テキスト ボックス 2">
+            <a:extLst>
+              <a:ext uri="{FF2B5EF4-FFF2-40B4-BE49-F238E27FC236}">
+                <a16:creationId xmlns:a16="http://schemas.microsoft.com/office/drawing/2014/main" id="{39444221-3BDE-4D99-938D-7BFC091D12A9}"/>
+              </a:ext>
+            </a:extLst>
+          </p:cNvPr>
+          <p:cNvSpPr txBox="1"/>
+          <p:nvPr/>
+        </p:nvSpPr>
+        <p:spPr>
+          <a:xfrm>
+            <a:off x="904583" y="1503248"/>
+            <a:ext cx="4544834" cy="400110"/>
+          </a:xfrm>
+          <a:prstGeom prst="rect">
+            <a:avLst/>
+          </a:prstGeom>
+          <a:noFill/>
+        </p:spPr>
+        <p:txBody>
+          <a:bodyPr wrap="none" rtlCol="0">
+            <a:spAutoFit/>
+          </a:bodyPr>
+          <a:lstStyle/>
+          <a:p>
+            <a:r>
+              <a:rPr lang="ja-JP" altLang="en-US" sz="2000" b="1" u="sng" dirty="0"/>
+              <a:t>集中状態中の視線誘導ができていない</a:t>
+            </a:r>
+            <a:endParaRPr kumimoji="1" lang="ja-JP" altLang="en-US" sz="2000" b="1" u="sng" dirty="0"/>
+          </a:p>
+        </p:txBody>
+      </p:sp>
+      <p:sp>
+        <p:nvSpPr>
+          <p:cNvPr id="4" name="テキスト ボックス 3">
+            <a:extLst>
+              <a:ext uri="{FF2B5EF4-FFF2-40B4-BE49-F238E27FC236}">
+                <a16:creationId xmlns:a16="http://schemas.microsoft.com/office/drawing/2014/main" id="{ABE041A4-326B-4D6F-9EC3-62E282E35726}"/>
+              </a:ext>
+            </a:extLst>
+          </p:cNvPr>
+          <p:cNvSpPr txBox="1"/>
+          <p:nvPr/>
+        </p:nvSpPr>
+        <p:spPr>
+          <a:xfrm>
+            <a:off x="904583" y="2444402"/>
+            <a:ext cx="2236510" cy="400110"/>
+          </a:xfrm>
+          <a:prstGeom prst="rect">
+            <a:avLst/>
+          </a:prstGeom>
+          <a:noFill/>
+        </p:spPr>
+        <p:txBody>
+          <a:bodyPr wrap="none" rtlCol="0">
+            <a:spAutoFit/>
+          </a:bodyPr>
+          <a:lstStyle/>
+          <a:p>
+            <a:r>
+              <a:rPr kumimoji="1" lang="ja-JP" altLang="en-US" sz="2000" b="1" u="sng" dirty="0"/>
+              <a:t>リプレイ性が低い</a:t>
+            </a:r>
+          </a:p>
+        </p:txBody>
+      </p:sp>
+      <p:sp>
+        <p:nvSpPr>
+          <p:cNvPr id="5" name="テキスト ボックス 4">
+            <a:extLst>
+              <a:ext uri="{FF2B5EF4-FFF2-40B4-BE49-F238E27FC236}">
+                <a16:creationId xmlns:a16="http://schemas.microsoft.com/office/drawing/2014/main" id="{D7CDD1D1-853C-4222-B827-39A8953F18E2}"/>
+              </a:ext>
+            </a:extLst>
+          </p:cNvPr>
+          <p:cNvSpPr txBox="1"/>
+          <p:nvPr/>
+        </p:nvSpPr>
+        <p:spPr>
+          <a:xfrm>
+            <a:off x="904583" y="3385556"/>
+            <a:ext cx="4801314" cy="400110"/>
+          </a:xfrm>
+          <a:prstGeom prst="rect">
+            <a:avLst/>
+          </a:prstGeom>
+          <a:noFill/>
+        </p:spPr>
+        <p:txBody>
+          <a:bodyPr wrap="none" rtlCol="0">
+            <a:spAutoFit/>
+          </a:bodyPr>
+          <a:lstStyle/>
+          <a:p>
+            <a:r>
+              <a:rPr kumimoji="1" lang="ja-JP" altLang="en-US" sz="2000" b="1" u="sng" dirty="0"/>
+              <a:t>敵がワンパターン、ボスが分かりにくい</a:t>
+            </a:r>
+          </a:p>
+        </p:txBody>
+      </p:sp>
+      <p:sp>
+        <p:nvSpPr>
+          <p:cNvPr id="6" name="テキスト ボックス 5">
+            <a:extLst>
+              <a:ext uri="{FF2B5EF4-FFF2-40B4-BE49-F238E27FC236}">
+                <a16:creationId xmlns:a16="http://schemas.microsoft.com/office/drawing/2014/main" id="{E353EC30-C3CF-46CB-A310-3FDFC46FCDB1}"/>
+              </a:ext>
+            </a:extLst>
+          </p:cNvPr>
+          <p:cNvSpPr txBox="1"/>
+          <p:nvPr/>
+        </p:nvSpPr>
+        <p:spPr>
+          <a:xfrm>
+            <a:off x="904583" y="5267864"/>
+            <a:ext cx="1723549" cy="400110"/>
+          </a:xfrm>
+          <a:prstGeom prst="rect">
+            <a:avLst/>
+          </a:prstGeom>
+          <a:noFill/>
+        </p:spPr>
+        <p:txBody>
+          <a:bodyPr wrap="none" rtlCol="0">
+            <a:spAutoFit/>
+          </a:bodyPr>
+          <a:lstStyle/>
+          <a:p>
+            <a:r>
+              <a:rPr lang="ja-JP" altLang="en-US" sz="2000" b="1" u="sng" dirty="0"/>
+              <a:t>操作が難しい</a:t>
+            </a:r>
+            <a:endParaRPr kumimoji="1" lang="ja-JP" altLang="en-US" sz="2000" b="1" u="sng" dirty="0"/>
+          </a:p>
+        </p:txBody>
+      </p:sp>
+      <p:sp>
+        <p:nvSpPr>
+          <p:cNvPr id="7" name="テキスト ボックス 6">
+            <a:extLst>
+              <a:ext uri="{FF2B5EF4-FFF2-40B4-BE49-F238E27FC236}">
+                <a16:creationId xmlns:a16="http://schemas.microsoft.com/office/drawing/2014/main" id="{A94E3910-F09E-49F8-8F54-B767E19018D3}"/>
+              </a:ext>
+            </a:extLst>
+          </p:cNvPr>
+          <p:cNvSpPr txBox="1"/>
+          <p:nvPr/>
+        </p:nvSpPr>
+        <p:spPr>
+          <a:xfrm>
+            <a:off x="904583" y="4326710"/>
+            <a:ext cx="6340197" cy="400110"/>
+          </a:xfrm>
+          <a:prstGeom prst="rect">
+            <a:avLst/>
+          </a:prstGeom>
+          <a:noFill/>
+        </p:spPr>
+        <p:txBody>
+          <a:bodyPr wrap="none" rtlCol="0">
+            <a:spAutoFit/>
+          </a:bodyPr>
+          <a:lstStyle/>
+          <a:p>
+            <a:r>
+              <a:rPr kumimoji="1" lang="ja-JP" altLang="en-US" sz="2000" b="1" u="sng" dirty="0"/>
+              <a:t>チュートリアルがチュートリアルの仕事をしていない</a:t>
+            </a:r>
+          </a:p>
+        </p:txBody>
+      </p:sp>
+      <p:sp>
+        <p:nvSpPr>
+          <p:cNvPr id="9" name="テキスト ボックス 8">
+            <a:extLst>
+              <a:ext uri="{FF2B5EF4-FFF2-40B4-BE49-F238E27FC236}">
+                <a16:creationId xmlns:a16="http://schemas.microsoft.com/office/drawing/2014/main" id="{AD9E8FFB-D690-418F-8F20-2465108E8076}"/>
+              </a:ext>
+            </a:extLst>
+          </p:cNvPr>
+          <p:cNvSpPr txBox="1"/>
+          <p:nvPr/>
+        </p:nvSpPr>
+        <p:spPr>
+          <a:xfrm>
+            <a:off x="1689413" y="1973825"/>
+            <a:ext cx="4339650" cy="369332"/>
+          </a:xfrm>
+          <a:prstGeom prst="rect">
+            <a:avLst/>
+          </a:prstGeom>
+          <a:noFill/>
+        </p:spPr>
+        <p:txBody>
+          <a:bodyPr wrap="none" rtlCol="0">
+            <a:spAutoFit/>
+          </a:bodyPr>
+          <a:lstStyle/>
+          <a:p>
+            <a:r>
+              <a:rPr lang="ja-JP" altLang="en-US" dirty="0"/>
+              <a:t>→世界を暗くする、敵の強調表示を追加</a:t>
+            </a:r>
+            <a:endParaRPr kumimoji="1" lang="ja-JP" altLang="en-US" dirty="0"/>
+          </a:p>
+        </p:txBody>
+      </p:sp>
+      <p:sp>
+        <p:nvSpPr>
+          <p:cNvPr id="10" name="テキスト ボックス 9">
+            <a:extLst>
+              <a:ext uri="{FF2B5EF4-FFF2-40B4-BE49-F238E27FC236}">
+                <a16:creationId xmlns:a16="http://schemas.microsoft.com/office/drawing/2014/main" id="{547C0A27-D4AE-46F1-9F54-204019F308DC}"/>
+              </a:ext>
+            </a:extLst>
+          </p:cNvPr>
+          <p:cNvSpPr txBox="1"/>
+          <p:nvPr/>
+        </p:nvSpPr>
+        <p:spPr>
+          <a:xfrm>
+            <a:off x="1689413" y="2914979"/>
+            <a:ext cx="6878806" cy="369332"/>
+          </a:xfrm>
+          <a:prstGeom prst="rect">
+            <a:avLst/>
+          </a:prstGeom>
+          <a:noFill/>
+        </p:spPr>
+        <p:txBody>
+          <a:bodyPr wrap="none" rtlCol="0">
+            <a:spAutoFit/>
+          </a:bodyPr>
+          <a:lstStyle/>
+          <a:p>
+            <a:r>
+              <a:rPr lang="ja-JP" altLang="en-US" dirty="0"/>
+              <a:t>→コンボシステムなど「成功」をユーザーに伝える演出の追加</a:t>
+            </a:r>
+            <a:endParaRPr kumimoji="1" lang="ja-JP" altLang="en-US" dirty="0"/>
+          </a:p>
+        </p:txBody>
+      </p:sp>
+      <p:sp>
+        <p:nvSpPr>
+          <p:cNvPr id="11" name="テキスト ボックス 10">
+            <a:extLst>
+              <a:ext uri="{FF2B5EF4-FFF2-40B4-BE49-F238E27FC236}">
+                <a16:creationId xmlns:a16="http://schemas.microsoft.com/office/drawing/2014/main" id="{EDD3BEDC-5959-430F-932D-86F7B775C9E0}"/>
+              </a:ext>
+            </a:extLst>
+          </p:cNvPr>
+          <p:cNvSpPr txBox="1"/>
+          <p:nvPr/>
+        </p:nvSpPr>
+        <p:spPr>
+          <a:xfrm>
+            <a:off x="1689413" y="3856133"/>
+            <a:ext cx="7409401" cy="369332"/>
+          </a:xfrm>
+          <a:prstGeom prst="rect">
+            <a:avLst/>
+          </a:prstGeom>
+          <a:noFill/>
+        </p:spPr>
+        <p:txBody>
+          <a:bodyPr wrap="none" rtlCol="0">
+            <a:spAutoFit/>
+          </a:bodyPr>
+          <a:lstStyle/>
+          <a:p>
+            <a:r>
+              <a:rPr lang="ja-JP" altLang="en-US" dirty="0"/>
+              <a:t>→</a:t>
+            </a:r>
+            <a:r>
+              <a:rPr lang="en-US" altLang="ja-JP" dirty="0"/>
+              <a:t>3D</a:t>
+            </a:r>
+            <a:r>
+              <a:rPr lang="ja-JP" altLang="en-US" dirty="0"/>
+              <a:t>モデルの敵を作成する、特殊な処理を組み込んだボスを実装する</a:t>
+            </a:r>
+            <a:endParaRPr kumimoji="1" lang="ja-JP" altLang="en-US" dirty="0"/>
+          </a:p>
+        </p:txBody>
+      </p:sp>
+      <p:sp>
+        <p:nvSpPr>
+          <p:cNvPr id="12" name="テキスト ボックス 11">
+            <a:extLst>
+              <a:ext uri="{FF2B5EF4-FFF2-40B4-BE49-F238E27FC236}">
+                <a16:creationId xmlns:a16="http://schemas.microsoft.com/office/drawing/2014/main" id="{FAEBFB4A-04E0-4DD5-B0D3-3EAA2E75A551}"/>
+              </a:ext>
+            </a:extLst>
+          </p:cNvPr>
+          <p:cNvSpPr txBox="1"/>
+          <p:nvPr/>
+        </p:nvSpPr>
+        <p:spPr>
+          <a:xfrm>
+            <a:off x="1689412" y="4797287"/>
+            <a:ext cx="8956298" cy="369332"/>
+          </a:xfrm>
+          <a:prstGeom prst="rect">
+            <a:avLst/>
+          </a:prstGeom>
+          <a:noFill/>
+        </p:spPr>
+        <p:txBody>
+          <a:bodyPr wrap="none" rtlCol="0">
+            <a:spAutoFit/>
+          </a:bodyPr>
+          <a:lstStyle/>
+          <a:p>
+            <a:r>
+              <a:rPr lang="ja-JP" altLang="en-US" dirty="0"/>
+              <a:t>→殴り放題のサンドバッグを用意する、もしくはチュートリアル中の進行不可を実装</a:t>
+            </a:r>
+            <a:endParaRPr kumimoji="1" lang="ja-JP" altLang="en-US" dirty="0"/>
+          </a:p>
+        </p:txBody>
+      </p:sp>
+      <p:sp>
+        <p:nvSpPr>
+          <p:cNvPr id="13" name="テキスト ボックス 12">
+            <a:extLst>
+              <a:ext uri="{FF2B5EF4-FFF2-40B4-BE49-F238E27FC236}">
+                <a16:creationId xmlns:a16="http://schemas.microsoft.com/office/drawing/2014/main" id="{AEA8B70F-D22B-4B9F-8875-94063C22A2B6}"/>
+              </a:ext>
+            </a:extLst>
+          </p:cNvPr>
+          <p:cNvSpPr txBox="1"/>
+          <p:nvPr/>
+        </p:nvSpPr>
+        <p:spPr>
+          <a:xfrm>
+            <a:off x="1689412" y="5738441"/>
+            <a:ext cx="6880410" cy="369332"/>
+          </a:xfrm>
+          <a:prstGeom prst="rect">
+            <a:avLst/>
+          </a:prstGeom>
+          <a:noFill/>
+        </p:spPr>
+        <p:txBody>
+          <a:bodyPr wrap="none" rtlCol="0">
+            <a:spAutoFit/>
+          </a:bodyPr>
+          <a:lstStyle/>
+          <a:p>
+            <a:r>
+              <a:rPr lang="ja-JP" altLang="en-US" dirty="0"/>
+              <a:t>→キー配置の見直しとキーマウ対応 </a:t>
+            </a:r>
+            <a:r>
+              <a:rPr lang="en-US" altLang="ja-JP" dirty="0"/>
+              <a:t>+ </a:t>
+            </a:r>
+            <a:r>
+              <a:rPr lang="ja-JP" altLang="en-US" dirty="0"/>
+              <a:t>チュートリアル改善で対応</a:t>
+            </a:r>
+            <a:endParaRPr kumimoji="1" lang="ja-JP" altLang="en-US" dirty="0"/>
+          </a:p>
+        </p:txBody>
+      </p:sp>
+    </p:spTree>
+    <p:extLst>
+      <p:ext uri="{BB962C8B-B14F-4D97-AF65-F5344CB8AC3E}">
+        <p14:creationId xmlns:p14="http://schemas.microsoft.com/office/powerpoint/2010/main" val="4213273085"/>
+      </p:ext>
+    </p:extLst>
+  </p:cSld>
+  <p:clrMapOvr>
+    <a:masterClrMapping/>
+  </p:clrMapOvr>
+  <mc:AlternateContent xmlns:mc="http://schemas.openxmlformats.org/markup-compatibility/2006" xmlns:p159="http://schemas.microsoft.com/office/powerpoint/2015/09/main">
+    <mc:Choice Requires="p159">
+      <p:transition xmlns:p14="http://schemas.microsoft.com/office/powerpoint/2010/main" spd="slow" p14:dur="2000">
+        <p159:morph option="byObject"/>
+      </p:transition>
+    </mc:Choice>
+    <mc:Fallback xmlns="">
+      <p:transition spd="slow">
+        <p:fade/>
+      </p:transition>
+    </mc:Fallback>
+  </mc:AlternateContent>
+</p:sld>
+</file>
+
+<file path=ppt/slides/slide7.xml><?xml version="1.0" encoding="utf-8"?>
+<p:sld xmlns:a="http://schemas.openxmlformats.org/drawingml/2006/main" xmlns:r="http://schemas.openxmlformats.org/officeDocument/2006/relationships" xmlns:p="http://schemas.openxmlformats.org/presentationml/2006/main">
+  <p:cSld>
+    <p:spTree>
+      <p:nvGrpSpPr>
+        <p:cNvPr id="1" name=""/>
+        <p:cNvGrpSpPr/>
+        <p:nvPr/>
+      </p:nvGrpSpPr>
+      <p:grpSpPr>
+        <a:xfrm>
+          <a:off x="0" y="0"/>
+          <a:ext cx="0" cy="0"/>
+          <a:chOff x="0" y="0"/>
+          <a:chExt cx="0" cy="0"/>
+        </a:xfrm>
+      </p:grpSpPr>
+      <p:sp>
+        <p:nvSpPr>
+          <p:cNvPr id="2" name="タイトル 1">
+            <a:extLst>
+              <a:ext uri="{FF2B5EF4-FFF2-40B4-BE49-F238E27FC236}">
+                <a16:creationId xmlns:a16="http://schemas.microsoft.com/office/drawing/2014/main" id="{59F72F62-9C96-4F41-BC42-D8A2EBEAF86D}"/>
+              </a:ext>
+            </a:extLst>
+          </p:cNvPr>
+          <p:cNvSpPr>
+            <a:spLocks noGrp="1"/>
+          </p:cNvSpPr>
+          <p:nvPr>
+            <p:ph type="title"/>
+          </p:nvPr>
+        </p:nvSpPr>
+        <p:spPr/>
+        <p:txBody>
+          <a:bodyPr/>
+          <a:lstStyle/>
+          <a:p>
+            <a:r>
+              <a:rPr kumimoji="1" lang="ja-JP" altLang="en-US" dirty="0"/>
+              <a:t>余談</a:t>
+            </a:r>
+          </a:p>
+        </p:txBody>
+      </p:sp>
+      <p:sp>
+        <p:nvSpPr>
+          <p:cNvPr id="4" name="テキスト ボックス 3">
+            <a:extLst>
+              <a:ext uri="{FF2B5EF4-FFF2-40B4-BE49-F238E27FC236}">
+                <a16:creationId xmlns:a16="http://schemas.microsoft.com/office/drawing/2014/main" id="{BEFD32B5-A76D-42EA-8F1B-B6861D415D41}"/>
+              </a:ext>
+            </a:extLst>
+          </p:cNvPr>
+          <p:cNvSpPr txBox="1"/>
+          <p:nvPr/>
+        </p:nvSpPr>
+        <p:spPr>
+          <a:xfrm>
+            <a:off x="838200" y="1690688"/>
+            <a:ext cx="7930376" cy="369332"/>
+          </a:xfrm>
+          <a:prstGeom prst="rect">
+            <a:avLst/>
+          </a:prstGeom>
+          <a:noFill/>
+        </p:spPr>
+        <p:txBody>
+          <a:bodyPr wrap="none" rtlCol="0">
+            <a:spAutoFit/>
+          </a:bodyPr>
+          <a:lstStyle/>
+          <a:p>
+            <a:r>
+              <a:rPr lang="en-US" altLang="ja-JP" dirty="0"/>
+              <a:t>XY</a:t>
+            </a:r>
+            <a:r>
+              <a:rPr lang="ja-JP" altLang="en-US" dirty="0"/>
+              <a:t>平面じゃなくて</a:t>
+            </a:r>
+            <a:r>
+              <a:rPr lang="en-US" altLang="ja-JP" dirty="0"/>
+              <a:t>XZ</a:t>
+            </a:r>
+            <a:r>
+              <a:rPr lang="ja-JP" altLang="en-US" dirty="0"/>
+              <a:t>平面を中心にしてアクションしたらかっこよく</a:t>
+            </a:r>
+            <a:r>
+              <a:rPr lang="ja-JP" altLang="en-US" dirty="0" err="1"/>
+              <a:t>ね</a:t>
+            </a:r>
+            <a:r>
+              <a:rPr lang="ja-JP" altLang="en-US" dirty="0"/>
+              <a:t>？？</a:t>
+            </a:r>
+            <a:endParaRPr kumimoji="1" lang="ja-JP" altLang="en-US" dirty="0"/>
+          </a:p>
+        </p:txBody>
+      </p:sp>
+      <p:sp>
+        <p:nvSpPr>
+          <p:cNvPr id="5" name="テキスト ボックス 4">
+            <a:extLst>
+              <a:ext uri="{FF2B5EF4-FFF2-40B4-BE49-F238E27FC236}">
+                <a16:creationId xmlns:a16="http://schemas.microsoft.com/office/drawing/2014/main" id="{3380A23B-90BD-4D86-A331-FFAE93EAD973}"/>
+              </a:ext>
+            </a:extLst>
+          </p:cNvPr>
+          <p:cNvSpPr txBox="1"/>
+          <p:nvPr/>
+        </p:nvSpPr>
+        <p:spPr>
+          <a:xfrm>
+            <a:off x="3666392" y="4246685"/>
+            <a:ext cx="5724644" cy="369332"/>
+          </a:xfrm>
+          <a:prstGeom prst="rect">
+            <a:avLst/>
+          </a:prstGeom>
+          <a:noFill/>
+        </p:spPr>
+        <p:txBody>
+          <a:bodyPr wrap="none" rtlCol="0">
+            <a:spAutoFit/>
+          </a:bodyPr>
+          <a:lstStyle/>
+          <a:p>
+            <a:r>
+              <a:rPr kumimoji="1" lang="ja-JP" altLang="en-US" dirty="0"/>
+              <a:t>敵を囲んでまとめて撃破とか派手になりそうじゃ</a:t>
+            </a:r>
+            <a:r>
+              <a:rPr kumimoji="1" lang="ja-JP" altLang="en-US" dirty="0" err="1"/>
+              <a:t>ね</a:t>
+            </a:r>
+            <a:r>
+              <a:rPr kumimoji="1" lang="ja-JP" altLang="en-US" dirty="0"/>
+              <a:t>？</a:t>
+            </a:r>
+          </a:p>
+        </p:txBody>
+      </p:sp>
+    </p:spTree>
+    <p:extLst>
+      <p:ext uri="{BB962C8B-B14F-4D97-AF65-F5344CB8AC3E}">
+        <p14:creationId xmlns:p14="http://schemas.microsoft.com/office/powerpoint/2010/main" val="27470099"/>
       </p:ext>
     </p:extLst>
   </p:cSld>
